--- a/img/context_emo_cls_framework.pptx
+++ b/img/context_emo_cls_framework.pptx
@@ -2,12 +2,12 @@
 <file path=ppt/presentation.xml><?xml version="1.0" encoding="utf-8"?>
 <p:presentation xmlns:a="http://schemas.openxmlformats.org/drawingml/2006/main" xmlns:r="http://schemas.openxmlformats.org/officeDocument/2006/relationships" xmlns:p="http://schemas.openxmlformats.org/presentationml/2006/main" saveSubsetFonts="1" autoCompressPictures="0">
   <p:sldMasterIdLst>
-    <p:sldMasterId id="2147483876" r:id="rId1"/>
+    <p:sldMasterId id="2147483936" r:id="rId1"/>
   </p:sldMasterIdLst>
   <p:sldIdLst>
     <p:sldId id="256" r:id="rId2"/>
   </p:sldIdLst>
-  <p:sldSz cx="10080625" cy="4500563"/>
+  <p:sldSz cx="9539288" cy="4500563"/>
   <p:notesSz cx="6858000" cy="9144000"/>
   <p:defaultTextStyle>
     <a:defPPr>
@@ -141,8 +141,8 @@
         </p:nvSpPr>
         <p:spPr>
           <a:xfrm>
-            <a:off x="1260078" y="736551"/>
-            <a:ext cx="7560469" cy="1566863"/>
+            <a:off x="1192411" y="736551"/>
+            <a:ext cx="7154466" cy="1566863"/>
           </a:xfrm>
         </p:spPr>
         <p:txBody>
@@ -173,8 +173,8 @@
         </p:nvSpPr>
         <p:spPr>
           <a:xfrm>
-            <a:off x="1260078" y="2363838"/>
-            <a:ext cx="7560469" cy="1086594"/>
+            <a:off x="1192411" y="2363838"/>
+            <a:ext cx="7154466" cy="1086594"/>
           </a:xfrm>
         </p:spPr>
         <p:txBody>
@@ -243,7 +243,7 @@
           <a:p>
             <a:fld id="{57C3351A-A321-DE43-B3C2-FFA1513386F7}" type="datetimeFigureOut">
               <a:rPr kumimoji="1" lang="zh-CN" altLang="en-US" smtClean="0"/>
-              <a:t>2019/4/7</a:t>
+              <a:t>2019/5/2</a:t>
             </a:fld>
             <a:endParaRPr kumimoji="1" lang="zh-CN" altLang="en-US"/>
           </a:p>
@@ -294,7 +294,7 @@
     </p:spTree>
     <p:extLst>
       <p:ext uri="{BB962C8B-B14F-4D97-AF65-F5344CB8AC3E}">
-        <p14:creationId xmlns:p14="http://schemas.microsoft.com/office/powerpoint/2010/main" val="800032103"/>
+        <p14:creationId xmlns:p14="http://schemas.microsoft.com/office/powerpoint/2010/main" val="763436212"/>
       </p:ext>
     </p:extLst>
   </p:cSld>
@@ -413,7 +413,7 @@
           <a:p>
             <a:fld id="{57C3351A-A321-DE43-B3C2-FFA1513386F7}" type="datetimeFigureOut">
               <a:rPr kumimoji="1" lang="zh-CN" altLang="en-US" smtClean="0"/>
-              <a:t>2019/4/7</a:t>
+              <a:t>2019/5/2</a:t>
             </a:fld>
             <a:endParaRPr kumimoji="1" lang="zh-CN" altLang="en-US"/>
           </a:p>
@@ -464,7 +464,7 @@
     </p:spTree>
     <p:extLst>
       <p:ext uri="{BB962C8B-B14F-4D97-AF65-F5344CB8AC3E}">
-        <p14:creationId xmlns:p14="http://schemas.microsoft.com/office/powerpoint/2010/main" val="261577065"/>
+        <p14:creationId xmlns:p14="http://schemas.microsoft.com/office/powerpoint/2010/main" val="1926545998"/>
       </p:ext>
     </p:extLst>
   </p:cSld>
@@ -503,8 +503,8 @@
         </p:nvSpPr>
         <p:spPr>
           <a:xfrm>
-            <a:off x="7213947" y="239613"/>
-            <a:ext cx="2173635" cy="3814019"/>
+            <a:off x="6826553" y="239613"/>
+            <a:ext cx="2056909" cy="3814019"/>
           </a:xfrm>
         </p:spPr>
         <p:txBody>
@@ -531,8 +531,8 @@
         </p:nvSpPr>
         <p:spPr>
           <a:xfrm>
-            <a:off x="693043" y="239613"/>
-            <a:ext cx="6394896" cy="3814019"/>
+            <a:off x="655826" y="239613"/>
+            <a:ext cx="6051486" cy="3814019"/>
           </a:xfrm>
         </p:spPr>
         <p:txBody>
@@ -593,7 +593,7 @@
           <a:p>
             <a:fld id="{57C3351A-A321-DE43-B3C2-FFA1513386F7}" type="datetimeFigureOut">
               <a:rPr kumimoji="1" lang="zh-CN" altLang="en-US" smtClean="0"/>
-              <a:t>2019/4/7</a:t>
+              <a:t>2019/5/2</a:t>
             </a:fld>
             <a:endParaRPr kumimoji="1" lang="zh-CN" altLang="en-US"/>
           </a:p>
@@ -644,7 +644,7 @@
     </p:spTree>
     <p:extLst>
       <p:ext uri="{BB962C8B-B14F-4D97-AF65-F5344CB8AC3E}">
-        <p14:creationId xmlns:p14="http://schemas.microsoft.com/office/powerpoint/2010/main" val="426706046"/>
+        <p14:creationId xmlns:p14="http://schemas.microsoft.com/office/powerpoint/2010/main" val="1847642567"/>
       </p:ext>
     </p:extLst>
   </p:cSld>
@@ -763,7 +763,7 @@
           <a:p>
             <a:fld id="{57C3351A-A321-DE43-B3C2-FFA1513386F7}" type="datetimeFigureOut">
               <a:rPr kumimoji="1" lang="zh-CN" altLang="en-US" smtClean="0"/>
-              <a:t>2019/4/7</a:t>
+              <a:t>2019/5/2</a:t>
             </a:fld>
             <a:endParaRPr kumimoji="1" lang="zh-CN" altLang="en-US"/>
           </a:p>
@@ -814,7 +814,7 @@
     </p:spTree>
     <p:extLst>
       <p:ext uri="{BB962C8B-B14F-4D97-AF65-F5344CB8AC3E}">
-        <p14:creationId xmlns:p14="http://schemas.microsoft.com/office/powerpoint/2010/main" val="744441254"/>
+        <p14:creationId xmlns:p14="http://schemas.microsoft.com/office/powerpoint/2010/main" val="2005107906"/>
       </p:ext>
     </p:extLst>
   </p:cSld>
@@ -853,8 +853,8 @@
         </p:nvSpPr>
         <p:spPr>
           <a:xfrm>
-            <a:off x="687793" y="1122016"/>
-            <a:ext cx="8694539" cy="1872109"/>
+            <a:off x="650858" y="1122016"/>
+            <a:ext cx="8227636" cy="1872109"/>
           </a:xfrm>
         </p:spPr>
         <p:txBody>
@@ -885,8 +885,8 @@
         </p:nvSpPr>
         <p:spPr>
           <a:xfrm>
-            <a:off x="687793" y="3011836"/>
-            <a:ext cx="8694539" cy="984498"/>
+            <a:off x="650858" y="3011836"/>
+            <a:ext cx="8227636" cy="984498"/>
           </a:xfrm>
         </p:spPr>
         <p:txBody>
@@ -1009,7 +1009,7 @@
           <a:p>
             <a:fld id="{57C3351A-A321-DE43-B3C2-FFA1513386F7}" type="datetimeFigureOut">
               <a:rPr kumimoji="1" lang="zh-CN" altLang="en-US" smtClean="0"/>
-              <a:t>2019/4/7</a:t>
+              <a:t>2019/5/2</a:t>
             </a:fld>
             <a:endParaRPr kumimoji="1" lang="zh-CN" altLang="en-US"/>
           </a:p>
@@ -1060,7 +1060,7 @@
     </p:spTree>
     <p:extLst>
       <p:ext uri="{BB962C8B-B14F-4D97-AF65-F5344CB8AC3E}">
-        <p14:creationId xmlns:p14="http://schemas.microsoft.com/office/powerpoint/2010/main" val="584428556"/>
+        <p14:creationId xmlns:p14="http://schemas.microsoft.com/office/powerpoint/2010/main" val="1535187418"/>
       </p:ext>
     </p:extLst>
   </p:cSld>
@@ -1122,8 +1122,8 @@
         </p:nvSpPr>
         <p:spPr>
           <a:xfrm>
-            <a:off x="693043" y="1198066"/>
-            <a:ext cx="4284266" cy="2855566"/>
+            <a:off x="655826" y="1198066"/>
+            <a:ext cx="4054197" cy="2855566"/>
           </a:xfrm>
         </p:spPr>
         <p:txBody>
@@ -1179,8 +1179,8 @@
         </p:nvSpPr>
         <p:spPr>
           <a:xfrm>
-            <a:off x="5103316" y="1198066"/>
-            <a:ext cx="4284266" cy="2855566"/>
+            <a:off x="4829265" y="1198066"/>
+            <a:ext cx="4054197" cy="2855566"/>
           </a:xfrm>
         </p:spPr>
         <p:txBody>
@@ -1241,7 +1241,7 @@
           <a:p>
             <a:fld id="{57C3351A-A321-DE43-B3C2-FFA1513386F7}" type="datetimeFigureOut">
               <a:rPr kumimoji="1" lang="zh-CN" altLang="en-US" smtClean="0"/>
-              <a:t>2019/4/7</a:t>
+              <a:t>2019/5/2</a:t>
             </a:fld>
             <a:endParaRPr kumimoji="1" lang="zh-CN" altLang="en-US"/>
           </a:p>
@@ -1292,7 +1292,7 @@
     </p:spTree>
     <p:extLst>
       <p:ext uri="{BB962C8B-B14F-4D97-AF65-F5344CB8AC3E}">
-        <p14:creationId xmlns:p14="http://schemas.microsoft.com/office/powerpoint/2010/main" val="2048022961"/>
+        <p14:creationId xmlns:p14="http://schemas.microsoft.com/office/powerpoint/2010/main" val="2026399268"/>
       </p:ext>
     </p:extLst>
   </p:cSld>
@@ -1331,8 +1331,8 @@
         </p:nvSpPr>
         <p:spPr>
           <a:xfrm>
-            <a:off x="694356" y="239614"/>
-            <a:ext cx="8694539" cy="869901"/>
+            <a:off x="657068" y="239614"/>
+            <a:ext cx="8227636" cy="869901"/>
           </a:xfrm>
         </p:spPr>
         <p:txBody>
@@ -1359,8 +1359,8 @@
         </p:nvSpPr>
         <p:spPr>
           <a:xfrm>
-            <a:off x="694357" y="1103263"/>
-            <a:ext cx="4264576" cy="540692"/>
+            <a:off x="657069" y="1103263"/>
+            <a:ext cx="4035566" cy="540692"/>
           </a:xfrm>
         </p:spPr>
         <p:txBody>
@@ -1424,8 +1424,8 @@
         </p:nvSpPr>
         <p:spPr>
           <a:xfrm>
-            <a:off x="694357" y="1643956"/>
-            <a:ext cx="4264576" cy="2418011"/>
+            <a:off x="657069" y="1643956"/>
+            <a:ext cx="4035566" cy="2418011"/>
           </a:xfrm>
         </p:spPr>
         <p:txBody>
@@ -1481,8 +1481,8 @@
         </p:nvSpPr>
         <p:spPr>
           <a:xfrm>
-            <a:off x="5103316" y="1103263"/>
-            <a:ext cx="4285579" cy="540692"/>
+            <a:off x="4829264" y="1103263"/>
+            <a:ext cx="4055440" cy="540692"/>
           </a:xfrm>
         </p:spPr>
         <p:txBody>
@@ -1546,8 +1546,8 @@
         </p:nvSpPr>
         <p:spPr>
           <a:xfrm>
-            <a:off x="5103316" y="1643956"/>
-            <a:ext cx="4285579" cy="2418011"/>
+            <a:off x="4829264" y="1643956"/>
+            <a:ext cx="4055440" cy="2418011"/>
           </a:xfrm>
         </p:spPr>
         <p:txBody>
@@ -1608,7 +1608,7 @@
           <a:p>
             <a:fld id="{57C3351A-A321-DE43-B3C2-FFA1513386F7}" type="datetimeFigureOut">
               <a:rPr kumimoji="1" lang="zh-CN" altLang="en-US" smtClean="0"/>
-              <a:t>2019/4/7</a:t>
+              <a:t>2019/5/2</a:t>
             </a:fld>
             <a:endParaRPr kumimoji="1" lang="zh-CN" altLang="en-US"/>
           </a:p>
@@ -1659,7 +1659,7 @@
     </p:spTree>
     <p:extLst>
       <p:ext uri="{BB962C8B-B14F-4D97-AF65-F5344CB8AC3E}">
-        <p14:creationId xmlns:p14="http://schemas.microsoft.com/office/powerpoint/2010/main" val="1254011411"/>
+        <p14:creationId xmlns:p14="http://schemas.microsoft.com/office/powerpoint/2010/main" val="749339503"/>
       </p:ext>
     </p:extLst>
   </p:cSld>
@@ -1726,7 +1726,7 @@
           <a:p>
             <a:fld id="{57C3351A-A321-DE43-B3C2-FFA1513386F7}" type="datetimeFigureOut">
               <a:rPr kumimoji="1" lang="zh-CN" altLang="en-US" smtClean="0"/>
-              <a:t>2019/4/7</a:t>
+              <a:t>2019/5/2</a:t>
             </a:fld>
             <a:endParaRPr kumimoji="1" lang="zh-CN" altLang="en-US"/>
           </a:p>
@@ -1777,7 +1777,7 @@
     </p:spTree>
     <p:extLst>
       <p:ext uri="{BB962C8B-B14F-4D97-AF65-F5344CB8AC3E}">
-        <p14:creationId xmlns:p14="http://schemas.microsoft.com/office/powerpoint/2010/main" val="765273019"/>
+        <p14:creationId xmlns:p14="http://schemas.microsoft.com/office/powerpoint/2010/main" val="1304920913"/>
       </p:ext>
     </p:extLst>
   </p:cSld>
@@ -1821,7 +1821,7 @@
           <a:p>
             <a:fld id="{57C3351A-A321-DE43-B3C2-FFA1513386F7}" type="datetimeFigureOut">
               <a:rPr kumimoji="1" lang="zh-CN" altLang="en-US" smtClean="0"/>
-              <a:t>2019/4/7</a:t>
+              <a:t>2019/5/2</a:t>
             </a:fld>
             <a:endParaRPr kumimoji="1" lang="zh-CN" altLang="en-US"/>
           </a:p>
@@ -1872,7 +1872,7 @@
     </p:spTree>
     <p:extLst>
       <p:ext uri="{BB962C8B-B14F-4D97-AF65-F5344CB8AC3E}">
-        <p14:creationId xmlns:p14="http://schemas.microsoft.com/office/powerpoint/2010/main" val="664068450"/>
+        <p14:creationId xmlns:p14="http://schemas.microsoft.com/office/powerpoint/2010/main" val="1702781627"/>
       </p:ext>
     </p:extLst>
   </p:cSld>
@@ -1911,8 +1911,8 @@
         </p:nvSpPr>
         <p:spPr>
           <a:xfrm>
-            <a:off x="694356" y="300038"/>
-            <a:ext cx="3251264" cy="1050131"/>
+            <a:off x="657069" y="300038"/>
+            <a:ext cx="3076668" cy="1050131"/>
           </a:xfrm>
         </p:spPr>
         <p:txBody>
@@ -1943,8 +1943,8 @@
         </p:nvSpPr>
         <p:spPr>
           <a:xfrm>
-            <a:off x="4285579" y="647998"/>
-            <a:ext cx="5103316" cy="3198317"/>
+            <a:off x="4055440" y="647998"/>
+            <a:ext cx="4829265" cy="3198317"/>
           </a:xfrm>
         </p:spPr>
         <p:txBody>
@@ -2028,8 +2028,8 @@
         </p:nvSpPr>
         <p:spPr>
           <a:xfrm>
-            <a:off x="694356" y="1350169"/>
-            <a:ext cx="3251264" cy="2501355"/>
+            <a:off x="657069" y="1350169"/>
+            <a:ext cx="3076668" cy="2501355"/>
           </a:xfrm>
         </p:spPr>
         <p:txBody>
@@ -2098,7 +2098,7 @@
           <a:p>
             <a:fld id="{57C3351A-A321-DE43-B3C2-FFA1513386F7}" type="datetimeFigureOut">
               <a:rPr kumimoji="1" lang="zh-CN" altLang="en-US" smtClean="0"/>
-              <a:t>2019/4/7</a:t>
+              <a:t>2019/5/2</a:t>
             </a:fld>
             <a:endParaRPr kumimoji="1" lang="zh-CN" altLang="en-US"/>
           </a:p>
@@ -2149,7 +2149,7 @@
     </p:spTree>
     <p:extLst>
       <p:ext uri="{BB962C8B-B14F-4D97-AF65-F5344CB8AC3E}">
-        <p14:creationId xmlns:p14="http://schemas.microsoft.com/office/powerpoint/2010/main" val="525925691"/>
+        <p14:creationId xmlns:p14="http://schemas.microsoft.com/office/powerpoint/2010/main" val="1283725067"/>
       </p:ext>
     </p:extLst>
   </p:cSld>
@@ -2188,8 +2188,8 @@
         </p:nvSpPr>
         <p:spPr>
           <a:xfrm>
-            <a:off x="694356" y="300038"/>
-            <a:ext cx="3251264" cy="1050131"/>
+            <a:off x="657069" y="300038"/>
+            <a:ext cx="3076668" cy="1050131"/>
           </a:xfrm>
         </p:spPr>
         <p:txBody>
@@ -2220,8 +2220,8 @@
         </p:nvSpPr>
         <p:spPr>
           <a:xfrm>
-            <a:off x="4285579" y="647998"/>
-            <a:ext cx="5103316" cy="3198317"/>
+            <a:off x="4055440" y="647998"/>
+            <a:ext cx="4829265" cy="3198317"/>
           </a:xfrm>
         </p:spPr>
         <p:txBody>
@@ -2285,8 +2285,8 @@
         </p:nvSpPr>
         <p:spPr>
           <a:xfrm>
-            <a:off x="694356" y="1350169"/>
-            <a:ext cx="3251264" cy="2501355"/>
+            <a:off x="657069" y="1350169"/>
+            <a:ext cx="3076668" cy="2501355"/>
           </a:xfrm>
         </p:spPr>
         <p:txBody>
@@ -2355,7 +2355,7 @@
           <a:p>
             <a:fld id="{57C3351A-A321-DE43-B3C2-FFA1513386F7}" type="datetimeFigureOut">
               <a:rPr kumimoji="1" lang="zh-CN" altLang="en-US" smtClean="0"/>
-              <a:t>2019/4/7</a:t>
+              <a:t>2019/5/2</a:t>
             </a:fld>
             <a:endParaRPr kumimoji="1" lang="zh-CN" altLang="en-US"/>
           </a:p>
@@ -2406,7 +2406,7 @@
     </p:spTree>
     <p:extLst>
       <p:ext uri="{BB962C8B-B14F-4D97-AF65-F5344CB8AC3E}">
-        <p14:creationId xmlns:p14="http://schemas.microsoft.com/office/powerpoint/2010/main" val="190397585"/>
+        <p14:creationId xmlns:p14="http://schemas.microsoft.com/office/powerpoint/2010/main" val="1946483307"/>
       </p:ext>
     </p:extLst>
   </p:cSld>
@@ -2450,8 +2450,8 @@
         </p:nvSpPr>
         <p:spPr>
           <a:xfrm>
-            <a:off x="693043" y="239614"/>
-            <a:ext cx="8694539" cy="869901"/>
+            <a:off x="655826" y="239614"/>
+            <a:ext cx="8227636" cy="869901"/>
           </a:xfrm>
           <a:prstGeom prst="rect">
             <a:avLst/>
@@ -2483,8 +2483,8 @@
         </p:nvSpPr>
         <p:spPr>
           <a:xfrm>
-            <a:off x="693043" y="1198066"/>
-            <a:ext cx="8694539" cy="2855566"/>
+            <a:off x="655826" y="1198066"/>
+            <a:ext cx="8227636" cy="2855566"/>
           </a:xfrm>
           <a:prstGeom prst="rect">
             <a:avLst/>
@@ -2545,8 +2545,8 @@
         </p:nvSpPr>
         <p:spPr>
           <a:xfrm>
-            <a:off x="693043" y="4171356"/>
-            <a:ext cx="2268141" cy="239613"/>
+            <a:off x="655826" y="4171356"/>
+            <a:ext cx="2146340" cy="239613"/>
           </a:xfrm>
           <a:prstGeom prst="rect">
             <a:avLst/>
@@ -2568,7 +2568,7 @@
           <a:p>
             <a:fld id="{57C3351A-A321-DE43-B3C2-FFA1513386F7}" type="datetimeFigureOut">
               <a:rPr kumimoji="1" lang="zh-CN" altLang="en-US" smtClean="0"/>
-              <a:t>2019/4/7</a:t>
+              <a:t>2019/5/2</a:t>
             </a:fld>
             <a:endParaRPr kumimoji="1" lang="zh-CN" altLang="en-US"/>
           </a:p>
@@ -2586,8 +2586,8 @@
         </p:nvSpPr>
         <p:spPr>
           <a:xfrm>
-            <a:off x="3339207" y="4171356"/>
-            <a:ext cx="3402211" cy="239613"/>
+            <a:off x="3159889" y="4171356"/>
+            <a:ext cx="3219510" cy="239613"/>
           </a:xfrm>
           <a:prstGeom prst="rect">
             <a:avLst/>
@@ -2623,8 +2623,8 @@
         </p:nvSpPr>
         <p:spPr>
           <a:xfrm>
-            <a:off x="7119441" y="4171356"/>
-            <a:ext cx="2268141" cy="239613"/>
+            <a:off x="6737122" y="4171356"/>
+            <a:ext cx="2146340" cy="239613"/>
           </a:xfrm>
           <a:prstGeom prst="rect">
             <a:avLst/>
@@ -2655,23 +2655,23 @@
     </p:spTree>
     <p:extLst>
       <p:ext uri="{BB962C8B-B14F-4D97-AF65-F5344CB8AC3E}">
-        <p14:creationId xmlns:p14="http://schemas.microsoft.com/office/powerpoint/2010/main" val="1995992270"/>
+        <p14:creationId xmlns:p14="http://schemas.microsoft.com/office/powerpoint/2010/main" val="727202527"/>
       </p:ext>
     </p:extLst>
   </p:cSld>
   <p:clrMap bg1="lt1" tx1="dk1" bg2="lt2" tx2="dk2" accent1="accent1" accent2="accent2" accent3="accent3" accent4="accent4" accent5="accent5" accent6="accent6" hlink="hlink" folHlink="folHlink"/>
   <p:sldLayoutIdLst>
-    <p:sldLayoutId id="2147483877" r:id="rId1"/>
-    <p:sldLayoutId id="2147483878" r:id="rId2"/>
-    <p:sldLayoutId id="2147483879" r:id="rId3"/>
-    <p:sldLayoutId id="2147483880" r:id="rId4"/>
-    <p:sldLayoutId id="2147483881" r:id="rId5"/>
-    <p:sldLayoutId id="2147483882" r:id="rId6"/>
-    <p:sldLayoutId id="2147483883" r:id="rId7"/>
-    <p:sldLayoutId id="2147483884" r:id="rId8"/>
-    <p:sldLayoutId id="2147483885" r:id="rId9"/>
-    <p:sldLayoutId id="2147483886" r:id="rId10"/>
-    <p:sldLayoutId id="2147483887" r:id="rId11"/>
+    <p:sldLayoutId id="2147483937" r:id="rId1"/>
+    <p:sldLayoutId id="2147483938" r:id="rId2"/>
+    <p:sldLayoutId id="2147483939" r:id="rId3"/>
+    <p:sldLayoutId id="2147483940" r:id="rId4"/>
+    <p:sldLayoutId id="2147483941" r:id="rId5"/>
+    <p:sldLayoutId id="2147483942" r:id="rId6"/>
+    <p:sldLayoutId id="2147483943" r:id="rId7"/>
+    <p:sldLayoutId id="2147483944" r:id="rId8"/>
+    <p:sldLayoutId id="2147483945" r:id="rId9"/>
+    <p:sldLayoutId id="2147483946" r:id="rId10"/>
+    <p:sldLayoutId id="2147483947" r:id="rId11"/>
   </p:sldLayoutIdLst>
   <p:txStyles>
     <p:titleStyle>
@@ -2981,8 +2981,8 @@
         </p:nvSpPr>
         <p:spPr>
           <a:xfrm>
-            <a:off x="1180050" y="754083"/>
-            <a:ext cx="1186720" cy="317568"/>
+            <a:off x="1595459" y="754083"/>
+            <a:ext cx="742152" cy="317568"/>
           </a:xfrm>
           <a:prstGeom prst="roundRect">
             <a:avLst/>
@@ -3032,7 +3032,7 @@
         </p:nvSpPr>
         <p:spPr>
           <a:xfrm>
-            <a:off x="1281671" y="855705"/>
+            <a:off x="1697084" y="855710"/>
             <a:ext cx="135467" cy="135467"/>
           </a:xfrm>
           <a:prstGeom prst="ellipse">
@@ -3087,7 +3087,7 @@
         </p:nvSpPr>
         <p:spPr>
           <a:xfrm>
-            <a:off x="1493336" y="855705"/>
+            <a:off x="1908749" y="855710"/>
             <a:ext cx="135467" cy="135467"/>
           </a:xfrm>
           <a:prstGeom prst="ellipse">
@@ -3142,7 +3142,7 @@
         </p:nvSpPr>
         <p:spPr>
           <a:xfrm>
-            <a:off x="1705001" y="855705"/>
+            <a:off x="2120414" y="855710"/>
             <a:ext cx="135467" cy="135467"/>
           </a:xfrm>
           <a:prstGeom prst="ellipse">
@@ -3191,16 +3191,16 @@
       </p:sp>
       <p:sp>
         <p:nvSpPr>
-          <p:cNvPr id="8" name="椭圆 7"/>
+          <p:cNvPr id="10" name="圆角矩形 9"/>
           <p:cNvSpPr/>
           <p:nvPr/>
         </p:nvSpPr>
         <p:spPr>
           <a:xfrm>
-            <a:off x="1916666" y="850153"/>
-            <a:ext cx="135467" cy="135467"/>
-          </a:xfrm>
-          <a:prstGeom prst="ellipse">
+            <a:off x="1595458" y="1309466"/>
+            <a:ext cx="742152" cy="317568"/>
+          </a:xfrm>
+          <a:prstGeom prst="roundRect">
             <a:avLst/>
           </a:prstGeom>
           <a:noFill/>
@@ -3236,23 +3236,19 @@
           <a:lstStyle/>
           <a:p>
             <a:pPr algn="ctr"/>
-            <a:endParaRPr kumimoji="1" lang="zh-CN" altLang="en-US">
-              <a:latin typeface="PMingLiU" charset="-120"/>
-              <a:ea typeface="PMingLiU" charset="-120"/>
-              <a:cs typeface="PMingLiU" charset="-120"/>
-            </a:endParaRPr>
-          </a:p>
-        </p:txBody>
-      </p:sp>
-      <p:sp>
-        <p:nvSpPr>
-          <p:cNvPr id="9" name="椭圆 8"/>
+            <a:endParaRPr kumimoji="1" lang="zh-CN" altLang="en-US"/>
+          </a:p>
+        </p:txBody>
+      </p:sp>
+      <p:sp>
+        <p:nvSpPr>
+          <p:cNvPr id="11" name="椭圆 10"/>
           <p:cNvSpPr/>
           <p:nvPr/>
         </p:nvSpPr>
         <p:spPr>
           <a:xfrm>
-            <a:off x="2128331" y="850153"/>
+            <a:off x="1697084" y="1411093"/>
             <a:ext cx="135467" cy="135467"/>
           </a:xfrm>
           <a:prstGeom prst="ellipse">
@@ -3291,26 +3287,22 @@
           <a:lstStyle/>
           <a:p>
             <a:pPr algn="ctr"/>
-            <a:endParaRPr kumimoji="1" lang="zh-CN" altLang="en-US">
-              <a:latin typeface="PMingLiU" charset="-120"/>
-              <a:ea typeface="PMingLiU" charset="-120"/>
-              <a:cs typeface="PMingLiU" charset="-120"/>
-            </a:endParaRPr>
-          </a:p>
-        </p:txBody>
-      </p:sp>
-      <p:sp>
-        <p:nvSpPr>
-          <p:cNvPr id="10" name="圆角矩形 9"/>
+            <a:endParaRPr kumimoji="1" lang="zh-CN" altLang="en-US"/>
+          </a:p>
+        </p:txBody>
+      </p:sp>
+      <p:sp>
+        <p:nvSpPr>
+          <p:cNvPr id="12" name="椭圆 11"/>
           <p:cNvSpPr/>
           <p:nvPr/>
         </p:nvSpPr>
         <p:spPr>
           <a:xfrm>
-            <a:off x="1180050" y="1309466"/>
-            <a:ext cx="1186720" cy="317568"/>
-          </a:xfrm>
-          <a:prstGeom prst="roundRect">
+            <a:off x="1908749" y="1411093"/>
+            <a:ext cx="135467" cy="135467"/>
+          </a:xfrm>
+          <a:prstGeom prst="ellipse">
             <a:avLst/>
           </a:prstGeom>
           <a:noFill/>
@@ -3352,13 +3344,13 @@
       </p:sp>
       <p:sp>
         <p:nvSpPr>
-          <p:cNvPr id="11" name="椭圆 10"/>
+          <p:cNvPr id="13" name="椭圆 12"/>
           <p:cNvSpPr/>
           <p:nvPr/>
         </p:nvSpPr>
         <p:spPr>
           <a:xfrm>
-            <a:off x="1281671" y="1411088"/>
+            <a:off x="2120414" y="1411093"/>
             <a:ext cx="135467" cy="135467"/>
           </a:xfrm>
           <a:prstGeom prst="ellipse">
@@ -3403,16 +3395,16 @@
       </p:sp>
       <p:sp>
         <p:nvSpPr>
-          <p:cNvPr id="12" name="椭圆 11"/>
+          <p:cNvPr id="16" name="圆角矩形 15"/>
           <p:cNvSpPr/>
           <p:nvPr/>
         </p:nvSpPr>
         <p:spPr>
           <a:xfrm>
-            <a:off x="1493336" y="1411088"/>
-            <a:ext cx="135467" cy="135467"/>
-          </a:xfrm>
-          <a:prstGeom prst="ellipse">
+            <a:off x="1595458" y="2391151"/>
+            <a:ext cx="742152" cy="317568"/>
+          </a:xfrm>
+          <a:prstGeom prst="roundRect">
             <a:avLst/>
           </a:prstGeom>
           <a:noFill/>
@@ -3454,13 +3446,13 @@
       </p:sp>
       <p:sp>
         <p:nvSpPr>
-          <p:cNvPr id="13" name="椭圆 12"/>
+          <p:cNvPr id="17" name="椭圆 16"/>
           <p:cNvSpPr/>
           <p:nvPr/>
         </p:nvSpPr>
         <p:spPr>
           <a:xfrm>
-            <a:off x="1705001" y="1411088"/>
+            <a:off x="1697084" y="2492778"/>
             <a:ext cx="135467" cy="135467"/>
           </a:xfrm>
           <a:prstGeom prst="ellipse">
@@ -3505,13 +3497,13 @@
       </p:sp>
       <p:sp>
         <p:nvSpPr>
-          <p:cNvPr id="14" name="椭圆 13"/>
+          <p:cNvPr id="18" name="椭圆 17"/>
           <p:cNvSpPr/>
           <p:nvPr/>
         </p:nvSpPr>
         <p:spPr>
           <a:xfrm>
-            <a:off x="1916666" y="1405536"/>
+            <a:off x="1908749" y="2492778"/>
             <a:ext cx="135467" cy="135467"/>
           </a:xfrm>
           <a:prstGeom prst="ellipse">
@@ -3556,13 +3548,13 @@
       </p:sp>
       <p:sp>
         <p:nvSpPr>
-          <p:cNvPr id="15" name="椭圆 14"/>
+          <p:cNvPr id="19" name="椭圆 18"/>
           <p:cNvSpPr/>
           <p:nvPr/>
         </p:nvSpPr>
         <p:spPr>
           <a:xfrm>
-            <a:off x="2128331" y="1405536"/>
+            <a:off x="2120414" y="2492778"/>
             <a:ext cx="135467" cy="135467"/>
           </a:xfrm>
           <a:prstGeom prst="ellipse">
@@ -3607,320 +3599,14 @@
       </p:sp>
       <p:sp>
         <p:nvSpPr>
-          <p:cNvPr id="16" name="圆角矩形 15"/>
-          <p:cNvSpPr/>
-          <p:nvPr/>
-        </p:nvSpPr>
-        <p:spPr>
-          <a:xfrm>
-            <a:off x="1180050" y="2391151"/>
-            <a:ext cx="1186720" cy="317568"/>
-          </a:xfrm>
-          <a:prstGeom prst="roundRect">
-            <a:avLst/>
-          </a:prstGeom>
-          <a:noFill/>
-          <a:ln>
-            <a:solidFill>
-              <a:schemeClr val="tx1"/>
-            </a:solidFill>
-          </a:ln>
-        </p:spPr>
-        <p:style>
-          <a:lnRef idx="2">
-            <a:schemeClr val="accent1">
-              <a:shade val="50000"/>
-            </a:schemeClr>
-          </a:lnRef>
-          <a:fillRef idx="1">
-            <a:schemeClr val="accent1"/>
-          </a:fillRef>
-          <a:effectRef idx="0">
-            <a:schemeClr val="accent1"/>
-          </a:effectRef>
-          <a:fontRef idx="minor">
-            <a:schemeClr val="lt1"/>
-          </a:fontRef>
-        </p:style>
-        <p:txBody>
-          <a:bodyPr rot="0" spcFirstLastPara="0" vertOverflow="overflow" horzOverflow="overflow" vert="horz" wrap="square" lIns="91440" tIns="45720" rIns="91440" bIns="45720" numCol="1" spcCol="0" rtlCol="0" fromWordArt="0" anchor="ctr" anchorCtr="0" forceAA="0" compatLnSpc="1">
-            <a:prstTxWarp prst="textNoShape">
-              <a:avLst/>
-            </a:prstTxWarp>
-            <a:noAutofit/>
-          </a:bodyPr>
-          <a:lstStyle/>
-          <a:p>
-            <a:pPr algn="ctr"/>
-            <a:endParaRPr kumimoji="1" lang="zh-CN" altLang="en-US"/>
-          </a:p>
-        </p:txBody>
-      </p:sp>
-      <p:sp>
-        <p:nvSpPr>
-          <p:cNvPr id="17" name="椭圆 16"/>
-          <p:cNvSpPr/>
-          <p:nvPr/>
-        </p:nvSpPr>
-        <p:spPr>
-          <a:xfrm>
-            <a:off x="1281671" y="2492773"/>
-            <a:ext cx="135467" cy="135467"/>
-          </a:xfrm>
-          <a:prstGeom prst="ellipse">
-            <a:avLst/>
-          </a:prstGeom>
-          <a:noFill/>
-          <a:ln>
-            <a:solidFill>
-              <a:schemeClr val="tx1"/>
-            </a:solidFill>
-          </a:ln>
-        </p:spPr>
-        <p:style>
-          <a:lnRef idx="2">
-            <a:schemeClr val="accent1">
-              <a:shade val="50000"/>
-            </a:schemeClr>
-          </a:lnRef>
-          <a:fillRef idx="1">
-            <a:schemeClr val="accent1"/>
-          </a:fillRef>
-          <a:effectRef idx="0">
-            <a:schemeClr val="accent1"/>
-          </a:effectRef>
-          <a:fontRef idx="minor">
-            <a:schemeClr val="lt1"/>
-          </a:fontRef>
-        </p:style>
-        <p:txBody>
-          <a:bodyPr rot="0" spcFirstLastPara="0" vertOverflow="overflow" horzOverflow="overflow" vert="horz" wrap="square" lIns="91440" tIns="45720" rIns="91440" bIns="45720" numCol="1" spcCol="0" rtlCol="0" fromWordArt="0" anchor="ctr" anchorCtr="0" forceAA="0" compatLnSpc="1">
-            <a:prstTxWarp prst="textNoShape">
-              <a:avLst/>
-            </a:prstTxWarp>
-            <a:noAutofit/>
-          </a:bodyPr>
-          <a:lstStyle/>
-          <a:p>
-            <a:pPr algn="ctr"/>
-            <a:endParaRPr kumimoji="1" lang="zh-CN" altLang="en-US"/>
-          </a:p>
-        </p:txBody>
-      </p:sp>
-      <p:sp>
-        <p:nvSpPr>
-          <p:cNvPr id="18" name="椭圆 17"/>
-          <p:cNvSpPr/>
-          <p:nvPr/>
-        </p:nvSpPr>
-        <p:spPr>
-          <a:xfrm>
-            <a:off x="1493336" y="2492773"/>
-            <a:ext cx="135467" cy="135467"/>
-          </a:xfrm>
-          <a:prstGeom prst="ellipse">
-            <a:avLst/>
-          </a:prstGeom>
-          <a:noFill/>
-          <a:ln>
-            <a:solidFill>
-              <a:schemeClr val="tx1"/>
-            </a:solidFill>
-          </a:ln>
-        </p:spPr>
-        <p:style>
-          <a:lnRef idx="2">
-            <a:schemeClr val="accent1">
-              <a:shade val="50000"/>
-            </a:schemeClr>
-          </a:lnRef>
-          <a:fillRef idx="1">
-            <a:schemeClr val="accent1"/>
-          </a:fillRef>
-          <a:effectRef idx="0">
-            <a:schemeClr val="accent1"/>
-          </a:effectRef>
-          <a:fontRef idx="minor">
-            <a:schemeClr val="lt1"/>
-          </a:fontRef>
-        </p:style>
-        <p:txBody>
-          <a:bodyPr rot="0" spcFirstLastPara="0" vertOverflow="overflow" horzOverflow="overflow" vert="horz" wrap="square" lIns="91440" tIns="45720" rIns="91440" bIns="45720" numCol="1" spcCol="0" rtlCol="0" fromWordArt="0" anchor="ctr" anchorCtr="0" forceAA="0" compatLnSpc="1">
-            <a:prstTxWarp prst="textNoShape">
-              <a:avLst/>
-            </a:prstTxWarp>
-            <a:noAutofit/>
-          </a:bodyPr>
-          <a:lstStyle/>
-          <a:p>
-            <a:pPr algn="ctr"/>
-            <a:endParaRPr kumimoji="1" lang="zh-CN" altLang="en-US"/>
-          </a:p>
-        </p:txBody>
-      </p:sp>
-      <p:sp>
-        <p:nvSpPr>
-          <p:cNvPr id="19" name="椭圆 18"/>
-          <p:cNvSpPr/>
-          <p:nvPr/>
-        </p:nvSpPr>
-        <p:spPr>
-          <a:xfrm>
-            <a:off x="1705001" y="2492773"/>
-            <a:ext cx="135467" cy="135467"/>
-          </a:xfrm>
-          <a:prstGeom prst="ellipse">
-            <a:avLst/>
-          </a:prstGeom>
-          <a:noFill/>
-          <a:ln>
-            <a:solidFill>
-              <a:schemeClr val="tx1"/>
-            </a:solidFill>
-          </a:ln>
-        </p:spPr>
-        <p:style>
-          <a:lnRef idx="2">
-            <a:schemeClr val="accent1">
-              <a:shade val="50000"/>
-            </a:schemeClr>
-          </a:lnRef>
-          <a:fillRef idx="1">
-            <a:schemeClr val="accent1"/>
-          </a:fillRef>
-          <a:effectRef idx="0">
-            <a:schemeClr val="accent1"/>
-          </a:effectRef>
-          <a:fontRef idx="minor">
-            <a:schemeClr val="lt1"/>
-          </a:fontRef>
-        </p:style>
-        <p:txBody>
-          <a:bodyPr rot="0" spcFirstLastPara="0" vertOverflow="overflow" horzOverflow="overflow" vert="horz" wrap="square" lIns="91440" tIns="45720" rIns="91440" bIns="45720" numCol="1" spcCol="0" rtlCol="0" fromWordArt="0" anchor="ctr" anchorCtr="0" forceAA="0" compatLnSpc="1">
-            <a:prstTxWarp prst="textNoShape">
-              <a:avLst/>
-            </a:prstTxWarp>
-            <a:noAutofit/>
-          </a:bodyPr>
-          <a:lstStyle/>
-          <a:p>
-            <a:pPr algn="ctr"/>
-            <a:endParaRPr kumimoji="1" lang="zh-CN" altLang="en-US"/>
-          </a:p>
-        </p:txBody>
-      </p:sp>
-      <p:sp>
-        <p:nvSpPr>
-          <p:cNvPr id="20" name="椭圆 19"/>
-          <p:cNvSpPr/>
-          <p:nvPr/>
-        </p:nvSpPr>
-        <p:spPr>
-          <a:xfrm>
-            <a:off x="1916666" y="2487221"/>
-            <a:ext cx="135467" cy="135467"/>
-          </a:xfrm>
-          <a:prstGeom prst="ellipse">
-            <a:avLst/>
-          </a:prstGeom>
-          <a:noFill/>
-          <a:ln>
-            <a:solidFill>
-              <a:schemeClr val="tx1"/>
-            </a:solidFill>
-          </a:ln>
-        </p:spPr>
-        <p:style>
-          <a:lnRef idx="2">
-            <a:schemeClr val="accent1">
-              <a:shade val="50000"/>
-            </a:schemeClr>
-          </a:lnRef>
-          <a:fillRef idx="1">
-            <a:schemeClr val="accent1"/>
-          </a:fillRef>
-          <a:effectRef idx="0">
-            <a:schemeClr val="accent1"/>
-          </a:effectRef>
-          <a:fontRef idx="minor">
-            <a:schemeClr val="lt1"/>
-          </a:fontRef>
-        </p:style>
-        <p:txBody>
-          <a:bodyPr rot="0" spcFirstLastPara="0" vertOverflow="overflow" horzOverflow="overflow" vert="horz" wrap="square" lIns="91440" tIns="45720" rIns="91440" bIns="45720" numCol="1" spcCol="0" rtlCol="0" fromWordArt="0" anchor="ctr" anchorCtr="0" forceAA="0" compatLnSpc="1">
-            <a:prstTxWarp prst="textNoShape">
-              <a:avLst/>
-            </a:prstTxWarp>
-            <a:noAutofit/>
-          </a:bodyPr>
-          <a:lstStyle/>
-          <a:p>
-            <a:pPr algn="ctr"/>
-            <a:endParaRPr kumimoji="1" lang="zh-CN" altLang="en-US"/>
-          </a:p>
-        </p:txBody>
-      </p:sp>
-      <p:sp>
-        <p:nvSpPr>
-          <p:cNvPr id="21" name="椭圆 20"/>
-          <p:cNvSpPr/>
-          <p:nvPr/>
-        </p:nvSpPr>
-        <p:spPr>
-          <a:xfrm>
-            <a:off x="2128331" y="2487221"/>
-            <a:ext cx="135467" cy="135467"/>
-          </a:xfrm>
-          <a:prstGeom prst="ellipse">
-            <a:avLst/>
-          </a:prstGeom>
-          <a:noFill/>
-          <a:ln>
-            <a:solidFill>
-              <a:schemeClr val="tx1"/>
-            </a:solidFill>
-          </a:ln>
-        </p:spPr>
-        <p:style>
-          <a:lnRef idx="2">
-            <a:schemeClr val="accent1">
-              <a:shade val="50000"/>
-            </a:schemeClr>
-          </a:lnRef>
-          <a:fillRef idx="1">
-            <a:schemeClr val="accent1"/>
-          </a:fillRef>
-          <a:effectRef idx="0">
-            <a:schemeClr val="accent1"/>
-          </a:effectRef>
-          <a:fontRef idx="minor">
-            <a:schemeClr val="lt1"/>
-          </a:fontRef>
-        </p:style>
-        <p:txBody>
-          <a:bodyPr rot="0" spcFirstLastPara="0" vertOverflow="overflow" horzOverflow="overflow" vert="horz" wrap="square" lIns="91440" tIns="45720" rIns="91440" bIns="45720" numCol="1" spcCol="0" rtlCol="0" fromWordArt="0" anchor="ctr" anchorCtr="0" forceAA="0" compatLnSpc="1">
-            <a:prstTxWarp prst="textNoShape">
-              <a:avLst/>
-            </a:prstTxWarp>
-            <a:noAutofit/>
-          </a:bodyPr>
-          <a:lstStyle/>
-          <a:p>
-            <a:pPr algn="ctr"/>
-            <a:endParaRPr kumimoji="1" lang="zh-CN" altLang="en-US"/>
-          </a:p>
-        </p:txBody>
-      </p:sp>
-      <p:sp>
-        <p:nvSpPr>
           <p:cNvPr id="22" name="圆角矩形 21"/>
           <p:cNvSpPr/>
           <p:nvPr/>
         </p:nvSpPr>
         <p:spPr>
           <a:xfrm>
-            <a:off x="1047094" y="612317"/>
-            <a:ext cx="1462105" cy="2293528"/>
+            <a:off x="1410748" y="612317"/>
+            <a:ext cx="1037025" cy="2293528"/>
           </a:xfrm>
           <a:prstGeom prst="roundRect">
             <a:avLst/>
@@ -3972,7 +3658,7 @@
             </p:nvSpPr>
             <p:spPr>
               <a:xfrm>
-                <a:off x="543766" y="768282"/>
+                <a:off x="961599" y="768282"/>
                 <a:ext cx="269433" cy="217432"/>
               </a:xfrm>
               <a:prstGeom prst="rect">
@@ -4057,7 +3743,7 @@
             </p:nvSpPr>
             <p:spPr>
               <a:xfrm>
-                <a:off x="543766" y="768282"/>
+                <a:off x="961599" y="768282"/>
                 <a:ext cx="269433" cy="217432"/>
               </a:xfrm>
               <a:prstGeom prst="rect">
@@ -4066,7 +3752,7 @@
               <a:blipFill rotWithShape="0">
                 <a:blip r:embed="rId2"/>
                 <a:stretch>
-                  <a:fillRect l="-6818" r="-2273" b="-16667"/>
+                  <a:fillRect l="-9091" r="-2273" b="-16667"/>
                 </a:stretch>
               </a:blipFill>
             </p:spPr>
@@ -4095,7 +3781,7 @@
             </p:nvSpPr>
             <p:spPr>
               <a:xfrm>
-                <a:off x="543766" y="1289633"/>
+                <a:off x="961599" y="1289638"/>
                 <a:ext cx="263021" cy="217817"/>
               </a:xfrm>
               <a:prstGeom prst="rect">
@@ -4168,7 +3854,7 @@
             </p:nvSpPr>
             <p:spPr>
               <a:xfrm>
-                <a:off x="543766" y="1289633"/>
+                <a:off x="961599" y="1289638"/>
                 <a:ext cx="263021" cy="217817"/>
               </a:xfrm>
               <a:prstGeom prst="rect">
@@ -4177,7 +3863,7 @@
               <a:blipFill rotWithShape="0">
                 <a:blip r:embed="rId3"/>
                 <a:stretch>
-                  <a:fillRect l="-9302" r="-2326" b="-20000"/>
+                  <a:fillRect l="-11628" r="-2326" b="-20000"/>
                 </a:stretch>
               </a:blipFill>
             </p:spPr>
@@ -4206,7 +3892,7 @@
             </p:nvSpPr>
             <p:spPr>
               <a:xfrm>
-                <a:off x="527392" y="2405355"/>
+                <a:off x="945225" y="2405360"/>
                 <a:ext cx="316305" cy="244619"/>
               </a:xfrm>
               <a:prstGeom prst="rect">
@@ -4230,7 +3916,7 @@
                       <m:sSubSup>
                         <m:sSubSupPr>
                           <m:ctrlPr>
-                            <a:rPr kumimoji="1" lang="en-US" altLang="zh-CN" sz="1400" i="1" smtClean="0">
+                            <a:rPr kumimoji="1" lang="en-US" altLang="zh-CN" sz="1400" i="1">
                               <a:latin typeface="Cambria Math" charset="0"/>
                             </a:rPr>
                           </m:ctrlPr>
@@ -4247,7 +3933,7 @@
                           <m:sSub>
                             <m:sSubPr>
                               <m:ctrlPr>
-                                <a:rPr kumimoji="1" lang="en-US" altLang="zh-CN" sz="1400" b="0" i="1" smtClean="0">
+                                <a:rPr kumimoji="1" lang="en-US" altLang="zh-CN" sz="1400" i="1">
                                   <a:latin typeface="Cambria Math" charset="0"/>
                                 </a:rPr>
                               </m:ctrlPr>
@@ -4262,7 +3948,7 @@
                             </m:e>
                             <m:sub>
                               <m:r>
-                                <a:rPr kumimoji="1" lang="en-US" altLang="zh-CN" sz="1400" b="0" i="1" smtClean="0">
+                                <a:rPr kumimoji="1" lang="en-US" altLang="zh-CN" sz="1400" i="1">
                                   <a:latin typeface="Cambria Math" charset="0"/>
                                 </a:rPr>
                                 <m:t>1</m:t>
@@ -4298,7 +3984,7 @@
             </p:nvSpPr>
             <p:spPr>
               <a:xfrm>
-                <a:off x="527392" y="2405355"/>
+                <a:off x="945225" y="2405360"/>
                 <a:ext cx="316305" cy="244619"/>
               </a:xfrm>
               <a:prstGeom prst="rect">
@@ -4307,7 +3993,7 @@
               <a:blipFill rotWithShape="0">
                 <a:blip r:embed="rId4"/>
                 <a:stretch>
-                  <a:fillRect l="-9804" b="-12500"/>
+                  <a:fillRect l="-7692" b="-12500"/>
                 </a:stretch>
               </a:blipFill>
             </p:spPr>
@@ -4334,7 +4020,7 @@
         </p:nvCxnSpPr>
         <p:spPr>
           <a:xfrm>
-            <a:off x="833454" y="1478797"/>
+            <a:off x="1237839" y="1478797"/>
             <a:ext cx="346619" cy="0"/>
           </a:xfrm>
           <a:prstGeom prst="straightConnector1">
@@ -4370,7 +4056,7 @@
         </p:nvCxnSpPr>
         <p:spPr>
           <a:xfrm>
-            <a:off x="833454" y="2549935"/>
+            <a:off x="1237839" y="2549935"/>
             <a:ext cx="346619" cy="0"/>
           </a:xfrm>
           <a:prstGeom prst="straightConnector1">
@@ -4406,7 +4092,7 @@
         </p:nvSpPr>
         <p:spPr>
           <a:xfrm>
-            <a:off x="-77412" y="-1135"/>
+            <a:off x="171890" y="-8623"/>
             <a:ext cx="1146468" cy="553998"/>
           </a:xfrm>
           <a:prstGeom prst="rect">
@@ -4461,7 +4147,7 @@
         </p:nvSpPr>
         <p:spPr>
           <a:xfrm>
-            <a:off x="1394950" y="228855"/>
+            <a:off x="1554142" y="238775"/>
             <a:ext cx="761747" cy="323165"/>
           </a:xfrm>
           <a:prstGeom prst="rect">
@@ -4494,7 +4180,7 @@
         </p:nvSpPr>
         <p:spPr>
           <a:xfrm>
-            <a:off x="3355120" y="744860"/>
+            <a:off x="3293692" y="744860"/>
             <a:ext cx="275202" cy="1964340"/>
           </a:xfrm>
           <a:prstGeom prst="roundRect">
@@ -4573,7 +4259,7 @@
         </p:nvSpPr>
         <p:spPr>
           <a:xfrm>
-            <a:off x="4402030" y="744862"/>
+            <a:off x="4340607" y="744862"/>
             <a:ext cx="272857" cy="1964338"/>
           </a:xfrm>
           <a:prstGeom prst="roundRect">
@@ -4697,7 +4383,7 @@
         </p:nvSpPr>
         <p:spPr>
           <a:xfrm>
-            <a:off x="2684049" y="605725"/>
+            <a:off x="2622626" y="605730"/>
             <a:ext cx="284201" cy="2300141"/>
           </a:xfrm>
           <a:prstGeom prst="roundRect">
@@ -4759,7 +4445,7 @@
         </p:nvSpPr>
         <p:spPr>
           <a:xfrm>
-            <a:off x="5120573" y="567973"/>
+            <a:off x="5025530" y="567978"/>
             <a:ext cx="272857" cy="2320851"/>
           </a:xfrm>
           <a:prstGeom prst="roundRect">
@@ -4823,7 +4509,7 @@
         </p:nvSpPr>
         <p:spPr>
           <a:xfrm>
-            <a:off x="6251488" y="2205499"/>
+            <a:off x="6082481" y="2205499"/>
             <a:ext cx="272857" cy="1979514"/>
           </a:xfrm>
           <a:prstGeom prst="roundRect">
@@ -4884,7 +4570,7 @@
         </p:nvSpPr>
         <p:spPr>
           <a:xfrm>
-            <a:off x="6702759" y="2205499"/>
+            <a:off x="6506851" y="2205499"/>
             <a:ext cx="275202" cy="1979514"/>
           </a:xfrm>
           <a:prstGeom prst="roundRect">
@@ -4943,86 +4629,14 @@
         <p:nvCxnSpPr>
           <p:cNvPr id="104" name="直线箭头连接符 103"/>
           <p:cNvCxnSpPr>
-            <a:stCxn id="9" idx="3"/>
+            <a:stCxn id="4" idx="3"/>
           </p:cNvCxnSpPr>
           <p:nvPr/>
         </p:nvCxnSpPr>
         <p:spPr>
           <a:xfrm>
-            <a:off x="2366794" y="912867"/>
-            <a:ext cx="308731" cy="0"/>
-          </a:xfrm>
-          <a:prstGeom prst="straightConnector1">
-            <a:avLst/>
-          </a:prstGeom>
-          <a:ln>
-            <a:solidFill>
-              <a:schemeClr val="tx1"/>
-            </a:solidFill>
-            <a:tailEnd type="triangle"/>
-          </a:ln>
-        </p:spPr>
-        <p:style>
-          <a:lnRef idx="1">
-            <a:schemeClr val="accent1"/>
-          </a:lnRef>
-          <a:fillRef idx="0">
-            <a:schemeClr val="accent1"/>
-          </a:fillRef>
-          <a:effectRef idx="0">
-            <a:schemeClr val="accent1"/>
-          </a:effectRef>
-          <a:fontRef idx="minor">
-            <a:schemeClr val="tx1"/>
-          </a:fontRef>
-        </p:style>
-      </p:cxnSp>
-      <p:cxnSp>
-        <p:nvCxnSpPr>
-          <p:cNvPr id="105" name="直线箭头连接符 104"/>
-          <p:cNvCxnSpPr/>
-          <p:nvPr/>
-        </p:nvCxnSpPr>
-        <p:spPr>
-          <a:xfrm>
-            <a:off x="2366794" y="1484967"/>
-            <a:ext cx="308731" cy="0"/>
-          </a:xfrm>
-          <a:prstGeom prst="straightConnector1">
-            <a:avLst/>
-          </a:prstGeom>
-          <a:ln>
-            <a:solidFill>
-              <a:schemeClr val="tx1"/>
-            </a:solidFill>
-            <a:tailEnd type="triangle"/>
-          </a:ln>
-        </p:spPr>
-        <p:style>
-          <a:lnRef idx="1">
-            <a:schemeClr val="accent1"/>
-          </a:lnRef>
-          <a:fillRef idx="0">
-            <a:schemeClr val="accent1"/>
-          </a:fillRef>
-          <a:effectRef idx="0">
-            <a:schemeClr val="accent1"/>
-          </a:effectRef>
-          <a:fontRef idx="minor">
-            <a:schemeClr val="tx1"/>
-          </a:fontRef>
-        </p:style>
-      </p:cxnSp>
-      <p:cxnSp>
-        <p:nvCxnSpPr>
-          <p:cNvPr id="106" name="直线箭头连接符 105"/>
-          <p:cNvCxnSpPr/>
-          <p:nvPr/>
-        </p:nvCxnSpPr>
-        <p:spPr>
-          <a:xfrm>
-            <a:off x="2368105" y="2557919"/>
-            <a:ext cx="307396" cy="0"/>
+            <a:off x="2337611" y="912867"/>
+            <a:ext cx="285014" cy="0"/>
           </a:xfrm>
           <a:prstGeom prst="straightConnector1">
             <a:avLst/>
@@ -5057,7 +4671,7 @@
         </p:nvCxnSpPr>
         <p:spPr>
           <a:xfrm>
-            <a:off x="2969268" y="912867"/>
+            <a:off x="2907840" y="912867"/>
             <a:ext cx="385852" cy="0"/>
           </a:xfrm>
           <a:prstGeom prst="straightConnector1">
@@ -5093,7 +4707,7 @@
         </p:nvCxnSpPr>
         <p:spPr>
           <a:xfrm>
-            <a:off x="2969268" y="1484967"/>
+            <a:off x="2907840" y="1484967"/>
             <a:ext cx="385852" cy="0"/>
           </a:xfrm>
           <a:prstGeom prst="straightConnector1">
@@ -5129,7 +4743,7 @@
         </p:nvCxnSpPr>
         <p:spPr>
           <a:xfrm>
-            <a:off x="2968237" y="2557919"/>
+            <a:off x="2906814" y="2557919"/>
             <a:ext cx="386891" cy="0"/>
           </a:xfrm>
           <a:prstGeom prst="straightConnector1">
@@ -5165,7 +4779,7 @@
         </p:nvCxnSpPr>
         <p:spPr>
           <a:xfrm>
-            <a:off x="3630322" y="906697"/>
+            <a:off x="3568894" y="906697"/>
             <a:ext cx="236514" cy="0"/>
           </a:xfrm>
           <a:prstGeom prst="straightConnector1">
@@ -5201,7 +4815,7 @@
         </p:nvCxnSpPr>
         <p:spPr>
           <a:xfrm>
-            <a:off x="3630322" y="1478797"/>
+            <a:off x="3568894" y="1478797"/>
             <a:ext cx="236514" cy="0"/>
           </a:xfrm>
           <a:prstGeom prst="straightConnector1">
@@ -5237,7 +4851,7 @@
         </p:nvCxnSpPr>
         <p:spPr>
           <a:xfrm>
-            <a:off x="4151040" y="906697"/>
+            <a:off x="4089612" y="906697"/>
             <a:ext cx="236514" cy="0"/>
           </a:xfrm>
           <a:prstGeom prst="straightConnector1">
@@ -5273,7 +4887,7 @@
         </p:nvCxnSpPr>
         <p:spPr>
           <a:xfrm>
-            <a:off x="4151040" y="1471705"/>
+            <a:off x="4089612" y="1471705"/>
             <a:ext cx="236514" cy="0"/>
           </a:xfrm>
           <a:prstGeom prst="straightConnector1">
@@ -5312,7 +4926,7 @@
         </p:nvCxnSpPr>
         <p:spPr>
           <a:xfrm flipV="1">
-            <a:off x="5950306" y="3195256"/>
+            <a:off x="5781294" y="3195261"/>
             <a:ext cx="301182" cy="1595"/>
           </a:xfrm>
           <a:prstGeom prst="straightConnector1">
@@ -5345,13 +4959,14 @@
           <p:cNvPr id="130" name="直线箭头连接符 129"/>
           <p:cNvCxnSpPr>
             <a:stCxn id="97" idx="3"/>
+            <a:endCxn id="98" idx="1"/>
           </p:cNvCxnSpPr>
           <p:nvPr/>
         </p:nvCxnSpPr>
         <p:spPr>
           <a:xfrm>
-            <a:off x="6524337" y="3195264"/>
-            <a:ext cx="178438" cy="1281"/>
+            <a:off x="6355338" y="3195256"/>
+            <a:ext cx="151515" cy="0"/>
           </a:xfrm>
           <a:prstGeom prst="straightConnector1">
             <a:avLst/>
@@ -5389,8 +5004,8 @@
         </p:nvCxnSpPr>
         <p:spPr>
           <a:xfrm flipV="1">
-            <a:off x="7865848" y="3194770"/>
-            <a:ext cx="569220" cy="486"/>
+            <a:off x="7649771" y="3194770"/>
+            <a:ext cx="414575" cy="486"/>
           </a:xfrm>
           <a:prstGeom prst="straightConnector1">
             <a:avLst/>
@@ -5425,7 +5040,7 @@
         </p:nvSpPr>
         <p:spPr>
           <a:xfrm>
-            <a:off x="3206774" y="224273"/>
+            <a:off x="3145351" y="224278"/>
             <a:ext cx="1615959" cy="323165"/>
           </a:xfrm>
           <a:prstGeom prst="rect">
@@ -5464,7 +5079,7 @@
         </p:nvSpPr>
         <p:spPr>
           <a:xfrm>
-            <a:off x="3165551" y="584995"/>
+            <a:off x="3104128" y="584995"/>
             <a:ext cx="1703947" cy="2320850"/>
           </a:xfrm>
           <a:prstGeom prst="roundRect">
@@ -5515,7 +5130,7 @@
         </p:nvSpPr>
         <p:spPr>
           <a:xfrm>
-            <a:off x="7819849" y="1592389"/>
+            <a:off x="7464077" y="1615568"/>
             <a:ext cx="1615959" cy="523220"/>
           </a:xfrm>
           <a:prstGeom prst="rect">
@@ -5570,7 +5185,7 @@
         </p:nvCxnSpPr>
         <p:spPr>
           <a:xfrm>
-            <a:off x="833452" y="944879"/>
+            <a:off x="1237837" y="944879"/>
             <a:ext cx="346619" cy="0"/>
           </a:xfrm>
           <a:prstGeom prst="straightConnector1">
@@ -5606,7 +5221,7 @@
         </p:nvSpPr>
         <p:spPr>
           <a:xfrm>
-            <a:off x="3840947" y="729218"/>
+            <a:off x="3779519" y="729223"/>
             <a:ext cx="308098" cy="307777"/>
           </a:xfrm>
           <a:prstGeom prst="rect">
@@ -5636,7 +5251,7 @@
         </p:nvSpPr>
         <p:spPr>
           <a:xfrm>
-            <a:off x="3842880" y="1276513"/>
+            <a:off x="3781452" y="1276518"/>
             <a:ext cx="308098" cy="307777"/>
           </a:xfrm>
           <a:prstGeom prst="rect">
@@ -5666,7 +5281,7 @@
         </p:nvSpPr>
         <p:spPr>
           <a:xfrm>
-            <a:off x="3836168" y="2373274"/>
+            <a:off x="3774740" y="2373279"/>
             <a:ext cx="308098" cy="307777"/>
           </a:xfrm>
           <a:prstGeom prst="rect">
@@ -5699,8 +5314,8 @@
         </p:nvCxnSpPr>
         <p:spPr>
           <a:xfrm>
-            <a:off x="4674882" y="1727036"/>
-            <a:ext cx="445686" cy="1363"/>
+            <a:off x="4613463" y="1727031"/>
+            <a:ext cx="412066" cy="1372"/>
           </a:xfrm>
           <a:prstGeom prst="straightConnector1">
             <a:avLst/>
@@ -5735,7 +5350,7 @@
         </p:nvSpPr>
         <p:spPr>
           <a:xfrm rot="5400000">
-            <a:off x="8110583" y="3035986"/>
+            <a:off x="7739859" y="3035986"/>
             <a:ext cx="966538" cy="317568"/>
           </a:xfrm>
           <a:prstGeom prst="roundRect">
@@ -5786,7 +5401,7 @@
         </p:nvSpPr>
         <p:spPr>
           <a:xfrm rot="5400000">
-            <a:off x="8526763" y="2802272"/>
+            <a:off x="8156044" y="2802277"/>
             <a:ext cx="135467" cy="135467"/>
           </a:xfrm>
           <a:prstGeom prst="ellipse">
@@ -5837,7 +5452,7 @@
         </p:nvSpPr>
         <p:spPr>
           <a:xfrm rot="5400000">
-            <a:off x="8526763" y="3013937"/>
+            <a:off x="8156044" y="3013942"/>
             <a:ext cx="135467" cy="135467"/>
           </a:xfrm>
           <a:prstGeom prst="ellipse">
@@ -5888,7 +5503,7 @@
         </p:nvSpPr>
         <p:spPr>
           <a:xfrm rot="5400000">
-            <a:off x="8526763" y="3225602"/>
+            <a:off x="8156044" y="3225607"/>
             <a:ext cx="135467" cy="135467"/>
           </a:xfrm>
           <a:prstGeom prst="ellipse">
@@ -5939,7 +5554,7 @@
         </p:nvSpPr>
         <p:spPr>
           <a:xfrm rot="5400000">
-            <a:off x="8532315" y="3437267"/>
+            <a:off x="8161596" y="3437272"/>
             <a:ext cx="135467" cy="135467"/>
           </a:xfrm>
           <a:prstGeom prst="ellipse">
@@ -5990,7 +5605,7 @@
         </p:nvSpPr>
         <p:spPr>
           <a:xfrm rot="5400000">
-            <a:off x="592592" y="1692853"/>
+            <a:off x="1010420" y="1692858"/>
             <a:ext cx="308098" cy="307777"/>
           </a:xfrm>
           <a:prstGeom prst="rect">
@@ -6020,7 +5635,7 @@
         </p:nvSpPr>
         <p:spPr>
           <a:xfrm rot="5400000">
-            <a:off x="1618663" y="1855186"/>
+            <a:off x="1851114" y="1863676"/>
             <a:ext cx="308098" cy="307777"/>
           </a:xfrm>
           <a:prstGeom prst="rect">
@@ -6050,7 +5665,7 @@
         </p:nvCxnSpPr>
         <p:spPr>
           <a:xfrm>
-            <a:off x="3631366" y="2557919"/>
+            <a:off x="3569943" y="2557919"/>
             <a:ext cx="235491" cy="0"/>
           </a:xfrm>
           <a:prstGeom prst="straightConnector1">
@@ -6086,7 +5701,7 @@
         </p:nvCxnSpPr>
         <p:spPr>
           <a:xfrm>
-            <a:off x="4152084" y="2557919"/>
+            <a:off x="4090661" y="2557919"/>
             <a:ext cx="235491" cy="0"/>
           </a:xfrm>
           <a:prstGeom prst="straightConnector1">
@@ -6122,8 +5737,8 @@
         </p:nvSpPr>
         <p:spPr>
           <a:xfrm>
-            <a:off x="6067325" y="2065659"/>
-            <a:ext cx="2012416" cy="2320850"/>
+            <a:off x="5898313" y="2065659"/>
+            <a:ext cx="1951936" cy="2320850"/>
           </a:xfrm>
           <a:prstGeom prst="roundRect">
             <a:avLst/>
@@ -6173,7 +5788,7 @@
         </p:nvSpPr>
         <p:spPr>
           <a:xfrm>
-            <a:off x="6202650" y="1594211"/>
+            <a:off x="6033643" y="1594216"/>
             <a:ext cx="1615959" cy="323165"/>
           </a:xfrm>
           <a:prstGeom prst="rect">
@@ -6212,7 +5827,7 @@
         </p:nvSpPr>
         <p:spPr>
           <a:xfrm>
-            <a:off x="9053671" y="2711513"/>
+            <a:off x="8615710" y="2711518"/>
             <a:ext cx="275202" cy="966539"/>
           </a:xfrm>
           <a:prstGeom prst="roundRect">
@@ -6275,7 +5890,7 @@
         </p:nvSpPr>
         <p:spPr>
           <a:xfrm>
-            <a:off x="9586035" y="3033199"/>
+            <a:off x="9099343" y="3026490"/>
             <a:ext cx="269626" cy="323165"/>
           </a:xfrm>
           <a:prstGeom prst="rect">
@@ -6316,8 +5931,8 @@
         </p:nvCxnSpPr>
         <p:spPr>
           <a:xfrm>
-            <a:off x="8752640" y="3194774"/>
-            <a:ext cx="301035" cy="9"/>
+            <a:off x="8381912" y="3194771"/>
+            <a:ext cx="233798" cy="17"/>
           </a:xfrm>
           <a:prstGeom prst="straightConnector1">
             <a:avLst/>
@@ -6349,13 +5964,12 @@
           <p:cNvPr id="610" name="直线箭头连接符 609"/>
           <p:cNvCxnSpPr>
             <a:stCxn id="603" idx="3"/>
-            <a:endCxn id="606" idx="1"/>
           </p:cNvCxnSpPr>
           <p:nvPr/>
         </p:nvCxnSpPr>
         <p:spPr>
           <a:xfrm flipV="1">
-            <a:off x="9328873" y="3194782"/>
+            <a:off x="8890912" y="3194787"/>
             <a:ext cx="257162" cy="1"/>
           </a:xfrm>
           <a:prstGeom prst="straightConnector1">
@@ -6391,7 +6005,7 @@
         </p:nvSpPr>
         <p:spPr>
           <a:xfrm>
-            <a:off x="9191276" y="1807836"/>
+            <a:off x="8644884" y="2190714"/>
             <a:ext cx="1006381" cy="307777"/>
           </a:xfrm>
           <a:prstGeom prst="rect">
@@ -6429,7 +6043,7 @@
         </p:nvSpPr>
         <p:spPr>
           <a:xfrm>
-            <a:off x="377440" y="580674"/>
+            <a:off x="811141" y="571535"/>
             <a:ext cx="118387" cy="2320851"/>
           </a:xfrm>
           <a:prstGeom prst="leftBrace">
@@ -6479,7 +6093,7 @@
             </p:nvSpPr>
             <p:spPr>
               <a:xfrm>
-                <a:off x="56879" y="1648068"/>
+                <a:off x="529904" y="1624693"/>
                 <a:ext cx="263021" cy="215444"/>
               </a:xfrm>
               <a:prstGeom prst="rect">
@@ -6544,7 +6158,7 @@
             </p:nvSpPr>
             <p:spPr>
               <a:xfrm>
-                <a:off x="56879" y="1648068"/>
+                <a:off x="529904" y="1624693"/>
                 <a:ext cx="263021" cy="215444"/>
               </a:xfrm>
               <a:prstGeom prst="rect">
@@ -6553,7 +6167,7 @@
               <a:blipFill rotWithShape="0">
                 <a:blip r:embed="rId5"/>
                 <a:stretch>
-                  <a:fillRect l="-9302" r="-2326"/>
+                  <a:fillRect l="-11628" r="-2326"/>
                 </a:stretch>
               </a:blipFill>
             </p:spPr>
@@ -6582,7 +6196,7 @@
             </p:nvSpPr>
             <p:spPr>
               <a:xfrm>
-                <a:off x="97345" y="3087534"/>
+                <a:off x="522263" y="3098226"/>
                 <a:ext cx="266868" cy="215444"/>
               </a:xfrm>
               <a:prstGeom prst="rect">
@@ -6647,7 +6261,7 @@
             </p:nvSpPr>
             <p:spPr>
               <a:xfrm>
-                <a:off x="97345" y="3087534"/>
+                <a:off x="522263" y="3098226"/>
                 <a:ext cx="266868" cy="215444"/>
               </a:xfrm>
               <a:prstGeom prst="rect">
@@ -6656,7 +6270,7 @@
               <a:blipFill rotWithShape="0">
                 <a:blip r:embed="rId6"/>
                 <a:stretch>
-                  <a:fillRect l="-11364" r="-2273"/>
+                  <a:fillRect l="-11628" r="-4651"/>
                 </a:stretch>
               </a:blipFill>
             </p:spPr>
@@ -6683,7 +6297,7 @@
         </p:nvGrpSpPr>
         <p:grpSpPr>
           <a:xfrm>
-            <a:off x="5658968" y="3051182"/>
+            <a:off x="5489956" y="3051182"/>
             <a:ext cx="291338" cy="291338"/>
             <a:chOff x="6139877" y="3890914"/>
             <a:chExt cx="291338" cy="291338"/>
@@ -6823,7 +6437,7 @@
         </p:nvSpPr>
         <p:spPr>
           <a:xfrm>
-            <a:off x="1614845" y="3024758"/>
+            <a:off x="1753122" y="3019370"/>
             <a:ext cx="308098" cy="307777"/>
           </a:xfrm>
           <a:prstGeom prst="rect">
@@ -6845,44 +6459,6 @@
           </a:p>
         </p:txBody>
       </p:sp>
-      <p:cxnSp>
-        <p:nvCxnSpPr>
-          <p:cNvPr id="87" name="直线箭头连接符 86"/>
-          <p:cNvCxnSpPr>
-            <a:endCxn id="93" idx="1"/>
-          </p:cNvCxnSpPr>
-          <p:nvPr/>
-        </p:nvCxnSpPr>
-        <p:spPr>
-          <a:xfrm>
-            <a:off x="375119" y="3200750"/>
-            <a:ext cx="669653" cy="0"/>
-          </a:xfrm>
-          <a:prstGeom prst="straightConnector1">
-            <a:avLst/>
-          </a:prstGeom>
-          <a:ln>
-            <a:solidFill>
-              <a:schemeClr val="tx1"/>
-            </a:solidFill>
-            <a:tailEnd type="triangle"/>
-          </a:ln>
-        </p:spPr>
-        <p:style>
-          <a:lnRef idx="1">
-            <a:schemeClr val="accent1"/>
-          </a:lnRef>
-          <a:fillRef idx="0">
-            <a:schemeClr val="accent1"/>
-          </a:fillRef>
-          <a:effectRef idx="0">
-            <a:schemeClr val="accent1"/>
-          </a:effectRef>
-          <a:fontRef idx="minor">
-            <a:schemeClr val="tx1"/>
-          </a:fontRef>
-        </p:style>
-      </p:cxnSp>
       <p:sp>
         <p:nvSpPr>
           <p:cNvPr id="93" name="圆角矩形 92"/>
@@ -6891,8 +6467,8 @@
         </p:nvSpPr>
         <p:spPr>
           <a:xfrm>
-            <a:off x="1044772" y="3060536"/>
-            <a:ext cx="1462105" cy="280428"/>
+            <a:off x="1368891" y="3060536"/>
+            <a:ext cx="1076560" cy="280428"/>
           </a:xfrm>
           <a:prstGeom prst="roundRect">
             <a:avLst>
@@ -6944,7 +6520,7 @@
         </p:nvSpPr>
         <p:spPr>
           <a:xfrm>
-            <a:off x="2673180" y="3060536"/>
+            <a:off x="2611752" y="3060536"/>
             <a:ext cx="343478" cy="280428"/>
           </a:xfrm>
           <a:prstGeom prst="roundRect">
@@ -6998,7 +6574,7 @@
         </p:nvSpPr>
         <p:spPr>
           <a:xfrm>
-            <a:off x="3162326" y="3060536"/>
+            <a:off x="3100898" y="3060536"/>
             <a:ext cx="1704846" cy="280428"/>
           </a:xfrm>
           <a:prstGeom prst="roundRect">
@@ -7054,8 +6630,8 @@
         </p:nvCxnSpPr>
         <p:spPr>
           <a:xfrm>
-            <a:off x="2506872" y="3200750"/>
-            <a:ext cx="166308" cy="0"/>
+            <a:off x="2445454" y="3200750"/>
+            <a:ext cx="166301" cy="0"/>
           </a:xfrm>
           <a:prstGeom prst="straightConnector1">
             <a:avLst/>
@@ -7093,7 +6669,7 @@
         </p:nvCxnSpPr>
         <p:spPr>
           <a:xfrm>
-            <a:off x="3016658" y="3200750"/>
+            <a:off x="2955230" y="3200750"/>
             <a:ext cx="145668" cy="0"/>
           </a:xfrm>
           <a:prstGeom prst="straightConnector1">
@@ -7129,7 +6705,7 @@
         </p:nvSpPr>
         <p:spPr>
           <a:xfrm>
-            <a:off x="5082713" y="3060536"/>
+            <a:off x="4987665" y="3060536"/>
             <a:ext cx="343478" cy="280428"/>
           </a:xfrm>
           <a:prstGeom prst="roundRect">
@@ -7186,8 +6762,8 @@
         </p:nvCxnSpPr>
         <p:spPr>
           <a:xfrm>
-            <a:off x="4867177" y="3200750"/>
-            <a:ext cx="215541" cy="0"/>
+            <a:off x="4805745" y="3200750"/>
+            <a:ext cx="181921" cy="0"/>
           </a:xfrm>
           <a:prstGeom prst="straightConnector1">
             <a:avLst/>
@@ -7225,8 +6801,8 @@
         </p:nvCxnSpPr>
         <p:spPr>
           <a:xfrm flipV="1">
-            <a:off x="5426196" y="3196856"/>
-            <a:ext cx="232777" cy="3899"/>
+            <a:off x="5331145" y="3196853"/>
+            <a:ext cx="158813" cy="3899"/>
           </a:xfrm>
           <a:prstGeom prst="straightConnector1">
             <a:avLst/>
@@ -7261,7 +6837,7 @@
         </p:nvSpPr>
         <p:spPr>
           <a:xfrm>
-            <a:off x="3842880" y="3024758"/>
+            <a:off x="3781452" y="3024763"/>
             <a:ext cx="308098" cy="307777"/>
           </a:xfrm>
           <a:prstGeom prst="rect">
@@ -7293,7 +6869,7 @@
             </p:nvSpPr>
             <p:spPr>
               <a:xfrm>
-                <a:off x="97345" y="3544611"/>
+                <a:off x="531041" y="3773211"/>
                 <a:ext cx="266868" cy="215444"/>
               </a:xfrm>
               <a:prstGeom prst="rect">
@@ -7358,7 +6934,7 @@
             </p:nvSpPr>
             <p:spPr>
               <a:xfrm>
-                <a:off x="97345" y="3544611"/>
+                <a:off x="531041" y="3773211"/>
                 <a:ext cx="266868" cy="215444"/>
               </a:xfrm>
               <a:prstGeom prst="rect">
@@ -7367,7 +6943,7 @@
               <a:blipFill rotWithShape="0">
                 <a:blip r:embed="rId7"/>
                 <a:stretch>
-                  <a:fillRect l="-11364" r="-2273"/>
+                  <a:fillRect l="-9091" r="-2273"/>
                 </a:stretch>
               </a:blipFill>
             </p:spPr>
@@ -7394,7 +6970,7 @@
         </p:nvSpPr>
         <p:spPr>
           <a:xfrm>
-            <a:off x="1614845" y="3481835"/>
+            <a:off x="1753221" y="3707038"/>
             <a:ext cx="308098" cy="307777"/>
           </a:xfrm>
           <a:prstGeom prst="rect">
@@ -7424,8 +7000,8 @@
         </p:nvCxnSpPr>
         <p:spPr>
           <a:xfrm>
-            <a:off x="375119" y="3657827"/>
-            <a:ext cx="669653" cy="0"/>
+            <a:off x="823263" y="3895571"/>
+            <a:ext cx="536484" cy="0"/>
           </a:xfrm>
           <a:prstGeom prst="straightConnector1">
             <a:avLst/>
@@ -7460,8 +7036,8 @@
         </p:nvSpPr>
         <p:spPr>
           <a:xfrm>
-            <a:off x="1044772" y="3517613"/>
-            <a:ext cx="1462105" cy="280428"/>
+            <a:off x="1368891" y="3755357"/>
+            <a:ext cx="1076560" cy="280428"/>
           </a:xfrm>
           <a:prstGeom prst="roundRect">
             <a:avLst>
@@ -7513,7 +7089,7 @@
         </p:nvSpPr>
         <p:spPr>
           <a:xfrm>
-            <a:off x="2673180" y="3517613"/>
+            <a:off x="2611752" y="3755357"/>
             <a:ext cx="343478" cy="280428"/>
           </a:xfrm>
           <a:prstGeom prst="roundRect">
@@ -7567,7 +7143,7 @@
         </p:nvSpPr>
         <p:spPr>
           <a:xfrm>
-            <a:off x="3162326" y="3517613"/>
+            <a:off x="3100898" y="3755357"/>
             <a:ext cx="1704846" cy="280428"/>
           </a:xfrm>
           <a:prstGeom prst="roundRect">
@@ -7620,7 +7196,7 @@
         </p:nvCxnSpPr>
         <p:spPr>
           <a:xfrm>
-            <a:off x="2506872" y="3657827"/>
+            <a:off x="2445444" y="3895571"/>
             <a:ext cx="166308" cy="0"/>
           </a:xfrm>
           <a:prstGeom prst="straightConnector1">
@@ -7656,7 +7232,7 @@
         </p:nvCxnSpPr>
         <p:spPr>
           <a:xfrm>
-            <a:off x="3016658" y="3657827"/>
+            <a:off x="2955230" y="3895571"/>
             <a:ext cx="145668" cy="0"/>
           </a:xfrm>
           <a:prstGeom prst="straightConnector1">
@@ -7692,7 +7268,7 @@
         </p:nvSpPr>
         <p:spPr>
           <a:xfrm>
-            <a:off x="5082713" y="3517613"/>
+            <a:off x="4987665" y="3755357"/>
             <a:ext cx="343478" cy="280428"/>
           </a:xfrm>
           <a:prstGeom prst="roundRect">
@@ -7741,13 +7317,15 @@
       <p:cxnSp>
         <p:nvCxnSpPr>
           <p:cNvPr id="139" name="直线箭头连接符 138"/>
-          <p:cNvCxnSpPr/>
+          <p:cNvCxnSpPr>
+            <a:stCxn id="135" idx="3"/>
+          </p:cNvCxnSpPr>
           <p:nvPr/>
         </p:nvCxnSpPr>
         <p:spPr>
           <a:xfrm>
-            <a:off x="4867177" y="3657827"/>
-            <a:ext cx="215541" cy="0"/>
+            <a:off x="4805744" y="3895571"/>
+            <a:ext cx="181930" cy="0"/>
           </a:xfrm>
           <a:prstGeom prst="straightConnector1">
             <a:avLst/>
@@ -7782,7 +7360,7 @@
         </p:nvSpPr>
         <p:spPr>
           <a:xfrm>
-            <a:off x="3842880" y="3481835"/>
+            <a:off x="3781452" y="3719584"/>
             <a:ext cx="308098" cy="307777"/>
           </a:xfrm>
           <a:prstGeom prst="rect">
@@ -7815,8 +7393,8 @@
         </p:nvCxnSpPr>
         <p:spPr>
           <a:xfrm>
-            <a:off x="5393425" y="1728394"/>
-            <a:ext cx="411212" cy="1322788"/>
+            <a:off x="5298385" y="1728402"/>
+            <a:ext cx="337240" cy="1322780"/>
           </a:xfrm>
           <a:prstGeom prst="bentConnector2">
             <a:avLst/>
@@ -7854,8 +7432,8 @@
         </p:nvCxnSpPr>
         <p:spPr>
           <a:xfrm flipV="1">
-            <a:off x="5426191" y="3342525"/>
-            <a:ext cx="378446" cy="315307"/>
+            <a:off x="5331143" y="3342522"/>
+            <a:ext cx="304482" cy="553051"/>
           </a:xfrm>
           <a:prstGeom prst="bentConnector2">
             <a:avLst/>
@@ -7890,7 +7468,7 @@
         </p:nvSpPr>
         <p:spPr>
           <a:xfrm>
-            <a:off x="7139375" y="2205499"/>
+            <a:off x="6930024" y="2205499"/>
             <a:ext cx="272857" cy="1979514"/>
           </a:xfrm>
           <a:prstGeom prst="roundRect">
@@ -7951,7 +7529,7 @@
         </p:nvSpPr>
         <p:spPr>
           <a:xfrm>
-            <a:off x="7590646" y="2205499"/>
+            <a:off x="7374567" y="2205499"/>
             <a:ext cx="275202" cy="1979514"/>
           </a:xfrm>
           <a:prstGeom prst="roundRect">
@@ -8004,13 +7582,16 @@
       <p:cxnSp>
         <p:nvCxnSpPr>
           <p:cNvPr id="153" name="直线箭头连接符 152"/>
-          <p:cNvCxnSpPr/>
+          <p:cNvCxnSpPr>
+            <a:stCxn id="151" idx="3"/>
+            <a:endCxn id="152" idx="1"/>
+          </p:cNvCxnSpPr>
           <p:nvPr/>
         </p:nvCxnSpPr>
         <p:spPr>
           <a:xfrm>
-            <a:off x="7412224" y="3195264"/>
-            <a:ext cx="178438" cy="1281"/>
+            <a:off x="7202879" y="3195256"/>
+            <a:ext cx="171688" cy="0"/>
           </a:xfrm>
           <a:prstGeom prst="straightConnector1">
             <a:avLst/>
@@ -8048,8 +7629,241 @@
         </p:nvCxnSpPr>
         <p:spPr>
           <a:xfrm>
-            <a:off x="6977961" y="3195256"/>
-            <a:ext cx="161410" cy="0"/>
+            <a:off x="6782055" y="3195256"/>
+            <a:ext cx="147969" cy="0"/>
+          </a:xfrm>
+          <a:prstGeom prst="straightConnector1">
+            <a:avLst/>
+          </a:prstGeom>
+          <a:ln>
+            <a:solidFill>
+              <a:schemeClr val="tx1"/>
+            </a:solidFill>
+            <a:tailEnd type="triangle"/>
+          </a:ln>
+        </p:spPr>
+        <p:style>
+          <a:lnRef idx="1">
+            <a:schemeClr val="accent1"/>
+          </a:lnRef>
+          <a:fillRef idx="0">
+            <a:schemeClr val="accent1"/>
+          </a:fillRef>
+          <a:effectRef idx="0">
+            <a:schemeClr val="accent1"/>
+          </a:effectRef>
+          <a:fontRef idx="minor">
+            <a:schemeClr val="tx1"/>
+          </a:fontRef>
+        </p:style>
+      </p:cxnSp>
+      <p:sp>
+        <p:nvSpPr>
+          <p:cNvPr id="3" name="矩形 2"/>
+          <p:cNvSpPr/>
+          <p:nvPr/>
+        </p:nvSpPr>
+        <p:spPr>
+          <a:xfrm>
+            <a:off x="-45191" y="3737816"/>
+            <a:ext cx="646331" cy="276999"/>
+          </a:xfrm>
+          <a:prstGeom prst="rect">
+            <a:avLst/>
+          </a:prstGeom>
+        </p:spPr>
+        <p:txBody>
+          <a:bodyPr wrap="none">
+            <a:spAutoFit/>
+          </a:bodyPr>
+          <a:lstStyle/>
+          <a:p>
+            <a:r>
+              <a:rPr kumimoji="1" lang="zh-CN" altLang="en-US" sz="1200" dirty="0">
+                <a:latin typeface="PMingLiU" charset="-120"/>
+                <a:ea typeface="PMingLiU" charset="-120"/>
+                <a:cs typeface="PMingLiU" charset="-120"/>
+              </a:rPr>
+              <a:t>第</a:t>
+            </a:r>
+            <a:r>
+              <a:rPr kumimoji="1" lang="zh-TW" altLang="en-US" sz="1200" dirty="0">
+                <a:latin typeface="PMingLiU" charset="-120"/>
+                <a:ea typeface="PMingLiU" charset="-120"/>
+                <a:cs typeface="PMingLiU" charset="-120"/>
+              </a:rPr>
+              <a:t>三轮</a:t>
+            </a:r>
+            <a:endParaRPr lang="zh-CN" altLang="en-US" sz="1200" dirty="0"/>
+          </a:p>
+        </p:txBody>
+      </p:sp>
+      <p:sp>
+        <p:nvSpPr>
+          <p:cNvPr id="107" name="矩形 106"/>
+          <p:cNvSpPr/>
+          <p:nvPr/>
+        </p:nvSpPr>
+        <p:spPr>
+          <a:xfrm>
+            <a:off x="-52204" y="3073977"/>
+            <a:ext cx="646331" cy="276999"/>
+          </a:xfrm>
+          <a:prstGeom prst="rect">
+            <a:avLst/>
+          </a:prstGeom>
+        </p:spPr>
+        <p:txBody>
+          <a:bodyPr wrap="none">
+            <a:spAutoFit/>
+          </a:bodyPr>
+          <a:lstStyle/>
+          <a:p>
+            <a:r>
+              <a:rPr kumimoji="1" lang="zh-CN" altLang="en-US" sz="1200" dirty="0">
+                <a:latin typeface="PMingLiU" charset="-120"/>
+                <a:ea typeface="PMingLiU" charset="-120"/>
+                <a:cs typeface="PMingLiU" charset="-120"/>
+              </a:rPr>
+              <a:t>第二</a:t>
+            </a:r>
+            <a:r>
+              <a:rPr kumimoji="1" lang="zh-TW" altLang="en-US" sz="1200" dirty="0">
+                <a:latin typeface="PMingLiU" charset="-120"/>
+                <a:ea typeface="PMingLiU" charset="-120"/>
+                <a:cs typeface="PMingLiU" charset="-120"/>
+              </a:rPr>
+              <a:t>轮</a:t>
+            </a:r>
+            <a:endParaRPr lang="zh-CN" altLang="en-US" sz="1200" dirty="0"/>
+          </a:p>
+        </p:txBody>
+      </p:sp>
+      <p:sp>
+        <p:nvSpPr>
+          <p:cNvPr id="108" name="矩形 107"/>
+          <p:cNvSpPr/>
+          <p:nvPr/>
+        </p:nvSpPr>
+        <p:spPr>
+          <a:xfrm>
+            <a:off x="-49679" y="1599070"/>
+            <a:ext cx="646331" cy="276999"/>
+          </a:xfrm>
+          <a:prstGeom prst="rect">
+            <a:avLst/>
+          </a:prstGeom>
+        </p:spPr>
+        <p:txBody>
+          <a:bodyPr vert="horz" wrap="none">
+            <a:spAutoFit/>
+          </a:bodyPr>
+          <a:lstStyle/>
+          <a:p>
+            <a:r>
+              <a:rPr kumimoji="1" lang="zh-CN" altLang="en-US" sz="1200" dirty="0">
+                <a:latin typeface="PMingLiU" charset="-120"/>
+                <a:ea typeface="PMingLiU" charset="-120"/>
+                <a:cs typeface="PMingLiU" charset="-120"/>
+              </a:rPr>
+              <a:t>第一</a:t>
+            </a:r>
+            <a:r>
+              <a:rPr kumimoji="1" lang="zh-TW" altLang="en-US" sz="1200" dirty="0">
+                <a:latin typeface="PMingLiU" charset="-120"/>
+                <a:ea typeface="PMingLiU" charset="-120"/>
+                <a:cs typeface="PMingLiU" charset="-120"/>
+              </a:rPr>
+              <a:t>轮</a:t>
+            </a:r>
+            <a:endParaRPr lang="zh-CN" altLang="en-US" sz="1200" dirty="0"/>
+          </a:p>
+        </p:txBody>
+      </p:sp>
+      <p:cxnSp>
+        <p:nvCxnSpPr>
+          <p:cNvPr id="122" name="直线箭头连接符 121"/>
+          <p:cNvCxnSpPr/>
+          <p:nvPr/>
+        </p:nvCxnSpPr>
+        <p:spPr>
+          <a:xfrm>
+            <a:off x="823263" y="3205948"/>
+            <a:ext cx="536484" cy="0"/>
+          </a:xfrm>
+          <a:prstGeom prst="straightConnector1">
+            <a:avLst/>
+          </a:prstGeom>
+          <a:ln>
+            <a:solidFill>
+              <a:schemeClr val="tx1"/>
+            </a:solidFill>
+            <a:tailEnd type="triangle"/>
+          </a:ln>
+        </p:spPr>
+        <p:style>
+          <a:lnRef idx="1">
+            <a:schemeClr val="accent1"/>
+          </a:lnRef>
+          <a:fillRef idx="0">
+            <a:schemeClr val="accent1"/>
+          </a:fillRef>
+          <a:effectRef idx="0">
+            <a:schemeClr val="accent1"/>
+          </a:effectRef>
+          <a:fontRef idx="minor">
+            <a:schemeClr val="tx1"/>
+          </a:fontRef>
+        </p:style>
+      </p:cxnSp>
+      <p:cxnSp>
+        <p:nvCxnSpPr>
+          <p:cNvPr id="141" name="直线箭头连接符 140"/>
+          <p:cNvCxnSpPr>
+            <a:stCxn id="16" idx="3"/>
+          </p:cNvCxnSpPr>
+          <p:nvPr/>
+        </p:nvCxnSpPr>
+        <p:spPr>
+          <a:xfrm>
+            <a:off x="2337610" y="2549935"/>
+            <a:ext cx="274142" cy="0"/>
+          </a:xfrm>
+          <a:prstGeom prst="straightConnector1">
+            <a:avLst/>
+          </a:prstGeom>
+          <a:ln>
+            <a:solidFill>
+              <a:schemeClr val="tx1"/>
+            </a:solidFill>
+            <a:tailEnd type="triangle"/>
+          </a:ln>
+        </p:spPr>
+        <p:style>
+          <a:lnRef idx="1">
+            <a:schemeClr val="accent1"/>
+          </a:lnRef>
+          <a:fillRef idx="0">
+            <a:schemeClr val="accent1"/>
+          </a:fillRef>
+          <a:effectRef idx="0">
+            <a:schemeClr val="accent1"/>
+          </a:effectRef>
+          <a:fontRef idx="minor">
+            <a:schemeClr val="tx1"/>
+          </a:fontRef>
+        </p:style>
+      </p:cxnSp>
+      <p:cxnSp>
+        <p:nvCxnSpPr>
+          <p:cNvPr id="142" name="直线箭头连接符 141"/>
+          <p:cNvCxnSpPr/>
+          <p:nvPr/>
+        </p:nvCxnSpPr>
+        <p:spPr>
+          <a:xfrm>
+            <a:off x="2343251" y="1471705"/>
+            <a:ext cx="268501" cy="0"/>
           </a:xfrm>
           <a:prstGeom prst="straightConnector1">
             <a:avLst/>
